--- a/etc/fake/real_exp.pptx
+++ b/etc/fake/real_exp.pptx
@@ -298,7 +298,7 @@
           <a:p>
             <a:fld id="{6BF1DFE7-4F0A-4B9C-B44E-9E6321E5F697}" type="datetimeFigureOut">
               <a:rPr lang="ko-KR" altLang="en-US" smtClean="0"/>
-              <a:t>2017-05-31</a:t>
+              <a:t>2017-08-04</a:t>
             </a:fld>
             <a:endParaRPr lang="ko-KR" altLang="en-US"/>
           </a:p>
@@ -468,7 +468,7 @@
           <a:p>
             <a:fld id="{6BF1DFE7-4F0A-4B9C-B44E-9E6321E5F697}" type="datetimeFigureOut">
               <a:rPr lang="ko-KR" altLang="en-US" smtClean="0"/>
-              <a:t>2017-05-31</a:t>
+              <a:t>2017-08-04</a:t>
             </a:fld>
             <a:endParaRPr lang="ko-KR" altLang="en-US"/>
           </a:p>
@@ -648,7 +648,7 @@
           <a:p>
             <a:fld id="{6BF1DFE7-4F0A-4B9C-B44E-9E6321E5F697}" type="datetimeFigureOut">
               <a:rPr lang="ko-KR" altLang="en-US" smtClean="0"/>
-              <a:t>2017-05-31</a:t>
+              <a:t>2017-08-04</a:t>
             </a:fld>
             <a:endParaRPr lang="ko-KR" altLang="en-US"/>
           </a:p>
@@ -818,7 +818,7 @@
           <a:p>
             <a:fld id="{6BF1DFE7-4F0A-4B9C-B44E-9E6321E5F697}" type="datetimeFigureOut">
               <a:rPr lang="ko-KR" altLang="en-US" smtClean="0"/>
-              <a:t>2017-05-31</a:t>
+              <a:t>2017-08-04</a:t>
             </a:fld>
             <a:endParaRPr lang="ko-KR" altLang="en-US"/>
           </a:p>
@@ -1064,7 +1064,7 @@
           <a:p>
             <a:fld id="{6BF1DFE7-4F0A-4B9C-B44E-9E6321E5F697}" type="datetimeFigureOut">
               <a:rPr lang="ko-KR" altLang="en-US" smtClean="0"/>
-              <a:t>2017-05-31</a:t>
+              <a:t>2017-08-04</a:t>
             </a:fld>
             <a:endParaRPr lang="ko-KR" altLang="en-US"/>
           </a:p>
@@ -1352,7 +1352,7 @@
           <a:p>
             <a:fld id="{6BF1DFE7-4F0A-4B9C-B44E-9E6321E5F697}" type="datetimeFigureOut">
               <a:rPr lang="ko-KR" altLang="en-US" smtClean="0"/>
-              <a:t>2017-05-31</a:t>
+              <a:t>2017-08-04</a:t>
             </a:fld>
             <a:endParaRPr lang="ko-KR" altLang="en-US"/>
           </a:p>
@@ -1774,7 +1774,7 @@
           <a:p>
             <a:fld id="{6BF1DFE7-4F0A-4B9C-B44E-9E6321E5F697}" type="datetimeFigureOut">
               <a:rPr lang="ko-KR" altLang="en-US" smtClean="0"/>
-              <a:t>2017-05-31</a:t>
+              <a:t>2017-08-04</a:t>
             </a:fld>
             <a:endParaRPr lang="ko-KR" altLang="en-US"/>
           </a:p>
@@ -1892,7 +1892,7 @@
           <a:p>
             <a:fld id="{6BF1DFE7-4F0A-4B9C-B44E-9E6321E5F697}" type="datetimeFigureOut">
               <a:rPr lang="ko-KR" altLang="en-US" smtClean="0"/>
-              <a:t>2017-05-31</a:t>
+              <a:t>2017-08-04</a:t>
             </a:fld>
             <a:endParaRPr lang="ko-KR" altLang="en-US"/>
           </a:p>
@@ -1987,7 +1987,7 @@
           <a:p>
             <a:fld id="{6BF1DFE7-4F0A-4B9C-B44E-9E6321E5F697}" type="datetimeFigureOut">
               <a:rPr lang="ko-KR" altLang="en-US" smtClean="0"/>
-              <a:t>2017-05-31</a:t>
+              <a:t>2017-08-04</a:t>
             </a:fld>
             <a:endParaRPr lang="ko-KR" altLang="en-US"/>
           </a:p>
@@ -2264,7 +2264,7 @@
           <a:p>
             <a:fld id="{6BF1DFE7-4F0A-4B9C-B44E-9E6321E5F697}" type="datetimeFigureOut">
               <a:rPr lang="ko-KR" altLang="en-US" smtClean="0"/>
-              <a:t>2017-05-31</a:t>
+              <a:t>2017-08-04</a:t>
             </a:fld>
             <a:endParaRPr lang="ko-KR" altLang="en-US"/>
           </a:p>
@@ -2517,7 +2517,7 @@
           <a:p>
             <a:fld id="{6BF1DFE7-4F0A-4B9C-B44E-9E6321E5F697}" type="datetimeFigureOut">
               <a:rPr lang="ko-KR" altLang="en-US" smtClean="0"/>
-              <a:t>2017-05-31</a:t>
+              <a:t>2017-08-04</a:t>
             </a:fld>
             <a:endParaRPr lang="ko-KR" altLang="en-US"/>
           </a:p>
@@ -2730,7 +2730,7 @@
           <a:p>
             <a:fld id="{6BF1DFE7-4F0A-4B9C-B44E-9E6321E5F697}" type="datetimeFigureOut">
               <a:rPr lang="ko-KR" altLang="en-US" smtClean="0"/>
-              <a:t>2017-05-31</a:t>
+              <a:t>2017-08-04</a:t>
             </a:fld>
             <a:endParaRPr lang="ko-KR" altLang="en-US"/>
           </a:p>
@@ -5321,7 +5321,7 @@
           <a:lstStyle/>
           <a:p>
             <a:r>
-              <a:rPr lang="ko-KR" altLang="en-US" sz="1200" smtClean="0"/>
+              <a:rPr lang="ko-KR" altLang="en-US" sz="1200" dirty="0" smtClean="0"/>
               <a:t>상태</a:t>
             </a:r>
             <a:endParaRPr lang="ko-KR" altLang="en-US" sz="1200" dirty="0"/>
@@ -8396,14 +8396,29 @@
             </a:r>
             <a:r>
               <a:rPr lang="en-US" altLang="ko-KR" dirty="0" smtClean="0"/>
-              <a:t>.</a:t>
-            </a:r>
-          </a:p>
-          <a:p>
-            <a:endParaRPr lang="en-US" altLang="ko-KR" dirty="0" smtClean="0"/>
-          </a:p>
-          <a:p>
-            <a:endParaRPr lang="ko-KR" altLang="en-US" dirty="0"/>
+              <a:t>.  </a:t>
+            </a:r>
+            <a:r>
+              <a:rPr lang="en-US" altLang="ko-KR" dirty="0" smtClean="0">
+                <a:solidFill>
+                  <a:srgbClr val="FF0000"/>
+                </a:solidFill>
+              </a:rPr>
+              <a:t>(</a:t>
+            </a:r>
+            <a:r>
+              <a:rPr lang="en-US" altLang="ko-KR" dirty="0" smtClean="0">
+                <a:solidFill>
+                  <a:srgbClr val="FF0000"/>
+                </a:solidFill>
+              </a:rPr>
+              <a:t>due date)</a:t>
+            </a:r>
+            <a:endParaRPr lang="ko-KR" altLang="en-US" dirty="0">
+              <a:solidFill>
+                <a:srgbClr val="FF0000"/>
+              </a:solidFill>
+            </a:endParaRPr>
           </a:p>
         </p:txBody>
       </p:sp>

--- a/etc/fake/real_exp.pptx
+++ b/etc/fake/real_exp.pptx
@@ -298,7 +298,7 @@
           <a:p>
             <a:fld id="{6BF1DFE7-4F0A-4B9C-B44E-9E6321E5F697}" type="datetimeFigureOut">
               <a:rPr lang="ko-KR" altLang="en-US" smtClean="0"/>
-              <a:t>2017-08-04</a:t>
+              <a:t>2017-08-18</a:t>
             </a:fld>
             <a:endParaRPr lang="ko-KR" altLang="en-US"/>
           </a:p>
@@ -468,7 +468,7 @@
           <a:p>
             <a:fld id="{6BF1DFE7-4F0A-4B9C-B44E-9E6321E5F697}" type="datetimeFigureOut">
               <a:rPr lang="ko-KR" altLang="en-US" smtClean="0"/>
-              <a:t>2017-08-04</a:t>
+              <a:t>2017-08-18</a:t>
             </a:fld>
             <a:endParaRPr lang="ko-KR" altLang="en-US"/>
           </a:p>
@@ -648,7 +648,7 @@
           <a:p>
             <a:fld id="{6BF1DFE7-4F0A-4B9C-B44E-9E6321E5F697}" type="datetimeFigureOut">
               <a:rPr lang="ko-KR" altLang="en-US" smtClean="0"/>
-              <a:t>2017-08-04</a:t>
+              <a:t>2017-08-18</a:t>
             </a:fld>
             <a:endParaRPr lang="ko-KR" altLang="en-US"/>
           </a:p>
@@ -818,7 +818,7 @@
           <a:p>
             <a:fld id="{6BF1DFE7-4F0A-4B9C-B44E-9E6321E5F697}" type="datetimeFigureOut">
               <a:rPr lang="ko-KR" altLang="en-US" smtClean="0"/>
-              <a:t>2017-08-04</a:t>
+              <a:t>2017-08-18</a:t>
             </a:fld>
             <a:endParaRPr lang="ko-KR" altLang="en-US"/>
           </a:p>
@@ -1064,7 +1064,7 @@
           <a:p>
             <a:fld id="{6BF1DFE7-4F0A-4B9C-B44E-9E6321E5F697}" type="datetimeFigureOut">
               <a:rPr lang="ko-KR" altLang="en-US" smtClean="0"/>
-              <a:t>2017-08-04</a:t>
+              <a:t>2017-08-18</a:t>
             </a:fld>
             <a:endParaRPr lang="ko-KR" altLang="en-US"/>
           </a:p>
@@ -1352,7 +1352,7 @@
           <a:p>
             <a:fld id="{6BF1DFE7-4F0A-4B9C-B44E-9E6321E5F697}" type="datetimeFigureOut">
               <a:rPr lang="ko-KR" altLang="en-US" smtClean="0"/>
-              <a:t>2017-08-04</a:t>
+              <a:t>2017-08-18</a:t>
             </a:fld>
             <a:endParaRPr lang="ko-KR" altLang="en-US"/>
           </a:p>
@@ -1774,7 +1774,7 @@
           <a:p>
             <a:fld id="{6BF1DFE7-4F0A-4B9C-B44E-9E6321E5F697}" type="datetimeFigureOut">
               <a:rPr lang="ko-KR" altLang="en-US" smtClean="0"/>
-              <a:t>2017-08-04</a:t>
+              <a:t>2017-08-18</a:t>
             </a:fld>
             <a:endParaRPr lang="ko-KR" altLang="en-US"/>
           </a:p>
@@ -1892,7 +1892,7 @@
           <a:p>
             <a:fld id="{6BF1DFE7-4F0A-4B9C-B44E-9E6321E5F697}" type="datetimeFigureOut">
               <a:rPr lang="ko-KR" altLang="en-US" smtClean="0"/>
-              <a:t>2017-08-04</a:t>
+              <a:t>2017-08-18</a:t>
             </a:fld>
             <a:endParaRPr lang="ko-KR" altLang="en-US"/>
           </a:p>
@@ -1987,7 +1987,7 @@
           <a:p>
             <a:fld id="{6BF1DFE7-4F0A-4B9C-B44E-9E6321E5F697}" type="datetimeFigureOut">
               <a:rPr lang="ko-KR" altLang="en-US" smtClean="0"/>
-              <a:t>2017-08-04</a:t>
+              <a:t>2017-08-18</a:t>
             </a:fld>
             <a:endParaRPr lang="ko-KR" altLang="en-US"/>
           </a:p>
@@ -2264,7 +2264,7 @@
           <a:p>
             <a:fld id="{6BF1DFE7-4F0A-4B9C-B44E-9E6321E5F697}" type="datetimeFigureOut">
               <a:rPr lang="ko-KR" altLang="en-US" smtClean="0"/>
-              <a:t>2017-08-04</a:t>
+              <a:t>2017-08-18</a:t>
             </a:fld>
             <a:endParaRPr lang="ko-KR" altLang="en-US"/>
           </a:p>
@@ -2517,7 +2517,7 @@
           <a:p>
             <a:fld id="{6BF1DFE7-4F0A-4B9C-B44E-9E6321E5F697}" type="datetimeFigureOut">
               <a:rPr lang="ko-KR" altLang="en-US" smtClean="0"/>
-              <a:t>2017-08-04</a:t>
+              <a:t>2017-08-18</a:t>
             </a:fld>
             <a:endParaRPr lang="ko-KR" altLang="en-US"/>
           </a:p>
@@ -2730,7 +2730,7 @@
           <a:p>
             <a:fld id="{6BF1DFE7-4F0A-4B9C-B44E-9E6321E5F697}" type="datetimeFigureOut">
               <a:rPr lang="ko-KR" altLang="en-US" smtClean="0"/>
-              <a:t>2017-08-04</a:t>
+              <a:t>2017-08-18</a:t>
             </a:fld>
             <a:endParaRPr lang="ko-KR" altLang="en-US"/>
           </a:p>
@@ -8077,7 +8077,7 @@
         <p:spPr/>
         <p:txBody>
           <a:bodyPr>
-            <a:normAutofit fontScale="62500" lnSpcReduction="20000"/>
+            <a:normAutofit fontScale="55000" lnSpcReduction="20000"/>
           </a:bodyPr>
           <a:lstStyle/>
           <a:p>
@@ -8357,6 +8357,13 @@
               <a:rPr lang="en-US" altLang="ko-KR" dirty="0" smtClean="0"/>
               <a:t>)</a:t>
             </a:r>
+          </a:p>
+          <a:p>
+            <a:r>
+              <a:rPr lang="en-US" altLang="ko-KR" dirty="0" smtClean="0"/>
+              <a:t>144</a:t>
+            </a:r>
+            <a:endParaRPr lang="en-US" altLang="ko-KR" dirty="0" smtClean="0"/>
           </a:p>
           <a:p>
             <a:r>
@@ -8404,15 +8411,7 @@
                   <a:srgbClr val="FF0000"/>
                 </a:solidFill>
               </a:rPr>
-              <a:t>(</a:t>
-            </a:r>
-            <a:r>
-              <a:rPr lang="en-US" altLang="ko-KR" dirty="0" smtClean="0">
-                <a:solidFill>
-                  <a:srgbClr val="FF0000"/>
-                </a:solidFill>
-              </a:rPr>
-              <a:t>due date)</a:t>
+              <a:t>(due date)</a:t>
             </a:r>
             <a:endParaRPr lang="ko-KR" altLang="en-US" dirty="0">
               <a:solidFill>
